--- a/01-Version-Control-Systems.pptx
+++ b/01-Version-Control-Systems.pptx
@@ -3951,6 +3951,13 @@
   <p:clrMapOvr>
     <a:masterClrMapping/>
   </p:clrMapOvr>
+  <p:timing>
+    <p:tnLst>
+      <p:par>
+        <p:cTn id="1" dur="indefinite" restart="never" nodeType="tmRoot"/>
+      </p:par>
+    </p:tnLst>
+  </p:timing>
 </p:sld>
 </file>
 
@@ -4560,12 +4567,14 @@
         </p:nvSpPr>
         <p:spPr>
           <a:xfrm>
-            <a:off x="762000" y="1676400"/>
-            <a:ext cx="7620000" cy="4525963"/>
+            <a:off x="457200" y="1676400"/>
+            <a:ext cx="8229600" cy="4525963"/>
           </a:xfrm>
         </p:spPr>
         <p:txBody>
-          <a:bodyPr/>
+          <a:bodyPr>
+            <a:normAutofit/>
+          </a:bodyPr>
           <a:lstStyle/>
           <a:p>
             <a:pPr>
@@ -4630,13 +4639,65 @@
                   </a:schemeClr>
                 </a:solidFill>
               </a:rPr>
-              <a:t>GIT repository</a:t>
-            </a:r>
-            <a:endParaRPr lang="bg-BG" dirty="0">
+              <a:t>GIT </a:t>
+            </a:r>
+            <a:r>
+              <a:rPr lang="en-US" dirty="0" smtClean="0">
+                <a:solidFill>
+                  <a:schemeClr val="bg1">
+                    <a:lumMod val="95000"/>
+                  </a:schemeClr>
+                </a:solidFill>
+              </a:rPr>
+              <a:t>repository</a:t>
+            </a:r>
+          </a:p>
+          <a:p>
+            <a:pPr marL="342900" lvl="1" indent="-342900">
+              <a:buFont typeface="Wingdings" panose="05000000000000000000" pitchFamily="2" charset="2"/>
+              <a:buChar char="§"/>
+            </a:pPr>
+            <a:r>
+              <a:rPr lang="en-US" sz="3200" dirty="0">
+                <a:solidFill>
+                  <a:schemeClr val="bg1"/>
+                </a:solidFill>
+              </a:rPr>
+              <a:t>Optional features to install (choose only this)</a:t>
+            </a:r>
+          </a:p>
+          <a:p>
+            <a:pPr lvl="2"/>
+            <a:r>
+              <a:rPr lang="en-US" sz="3200" dirty="0">
+                <a:solidFill>
+                  <a:schemeClr val="bg1"/>
+                </a:solidFill>
+              </a:rPr>
+              <a:t>Microsoft SQL Server Data tools</a:t>
+            </a:r>
+          </a:p>
+          <a:p>
+            <a:pPr lvl="2"/>
+            <a:r>
+              <a:rPr lang="en-US" sz="3200" dirty="0">
+                <a:solidFill>
+                  <a:schemeClr val="bg1"/>
+                </a:solidFill>
+              </a:rPr>
+              <a:t>Microsoft Web Developer </a:t>
+            </a:r>
+            <a:r>
+              <a:rPr lang="en-US" sz="3200" dirty="0" smtClean="0">
+                <a:solidFill>
+                  <a:schemeClr val="bg1"/>
+                </a:solidFill>
+              </a:rPr>
+              <a:t>tools</a:t>
+            </a:r>
+            <a:endParaRPr lang="en-US" sz="3200" dirty="0">
               <a:solidFill>
-                <a:schemeClr val="bg1">
-                  <a:lumMod val="95000"/>
-                </a:schemeClr>
+                <a:schemeClr val="bg1"/>
               </a:solidFill>
             </a:endParaRPr>
           </a:p>

--- a/01-Version-Control-Systems.pptx
+++ b/01-Version-Control-Systems.pptx
@@ -4498,6 +4498,13 @@
   <p:clrMapOvr>
     <a:masterClrMapping/>
   </p:clrMapOvr>
+  <p:timing>
+    <p:tnLst>
+      <p:par>
+        <p:cTn id="1" dur="indefinite" restart="never" nodeType="tmRoot"/>
+      </p:par>
+    </p:tnLst>
+  </p:timing>
 </p:sld>
 </file>
 
@@ -4653,12 +4660,45 @@
             </a:r>
           </a:p>
           <a:p>
-            <a:pPr marL="342900" lvl="1" indent="-342900">
+            <a:pPr>
               <a:buFont typeface="Wingdings" panose="05000000000000000000" pitchFamily="2" charset="2"/>
               <a:buChar char="§"/>
             </a:pPr>
             <a:r>
-              <a:rPr lang="en-US" sz="3200" dirty="0">
+              <a:rPr lang="bg-BG" dirty="0" smtClean="0">
+                <a:solidFill>
+                  <a:schemeClr val="bg1">
+                    <a:lumMod val="95000"/>
+                  </a:schemeClr>
+                </a:solidFill>
+              </a:rPr>
+              <a:t>Инсталирайте </a:t>
+            </a:r>
+            <a:r>
+              <a:rPr lang="en-US" dirty="0" smtClean="0">
+                <a:solidFill>
+                  <a:schemeClr val="bg1">
+                    <a:lumMod val="95000"/>
+                  </a:schemeClr>
+                </a:solidFill>
+              </a:rPr>
+              <a:t>Visual Studio 2013</a:t>
+            </a:r>
+            <a:endParaRPr lang="en-US" dirty="0" smtClean="0">
+              <a:solidFill>
+                <a:schemeClr val="bg1">
+                  <a:lumMod val="95000"/>
+                </a:schemeClr>
+              </a:solidFill>
+            </a:endParaRPr>
+          </a:p>
+          <a:p>
+            <a:pPr marL="742950" lvl="2" indent="-342900">
+              <a:buFont typeface="Wingdings" panose="05000000000000000000" pitchFamily="2" charset="2"/>
+              <a:buChar char="§"/>
+            </a:pPr>
+            <a:r>
+              <a:rPr lang="en-US" dirty="0">
                 <a:solidFill>
                   <a:schemeClr val="bg1"/>
                 </a:solidFill>

--- a/01-Version-Control-Systems.pptx
+++ b/01-Version-Control-Systems.pptx
@@ -112,22 +112,6 @@
       </a:defRPr>
     </a:lvl9pPr>
   </p:defaultTextStyle>
-  <p:extLst>
-    <p:ext uri="{EFAFB233-063F-42B5-8137-9DF3F51BA10A}">
-      <p15:sldGuideLst xmlns:p15="http://schemas.microsoft.com/office/powerpoint/2012/main">
-        <p15:guide id="1" orient="horz" pos="2160">
-          <p15:clr>
-            <a:srgbClr val="A4A3A4"/>
-          </p15:clr>
-        </p15:guide>
-        <p15:guide id="2" pos="2880">
-          <p15:clr>
-            <a:srgbClr val="A4A3A4"/>
-          </p15:clr>
-        </p15:guide>
-      </p15:sldGuideLst>
-    </p:ext>
-  </p:extLst>
 </p:presentation>
 </file>
 
@@ -312,7 +296,7 @@
           <a:p>
             <a:fld id="{3EA744D9-3FBE-48D8-BF2A-85DF203E4D20}" type="datetimeFigureOut">
               <a:rPr lang="bg-BG" smtClean="0"/>
-              <a:t>27.4.2015 г.</a:t>
+              <a:t>26.4.2015 г.</a:t>
             </a:fld>
             <a:endParaRPr lang="bg-BG"/>
           </a:p>
@@ -482,7 +466,7 @@
           <a:p>
             <a:fld id="{3EA744D9-3FBE-48D8-BF2A-85DF203E4D20}" type="datetimeFigureOut">
               <a:rPr lang="bg-BG" smtClean="0"/>
-              <a:t>27.4.2015 г.</a:t>
+              <a:t>26.4.2015 г.</a:t>
             </a:fld>
             <a:endParaRPr lang="bg-BG"/>
           </a:p>
@@ -662,7 +646,7 @@
           <a:p>
             <a:fld id="{3EA744D9-3FBE-48D8-BF2A-85DF203E4D20}" type="datetimeFigureOut">
               <a:rPr lang="bg-BG" smtClean="0"/>
-              <a:t>27.4.2015 г.</a:t>
+              <a:t>26.4.2015 г.</a:t>
             </a:fld>
             <a:endParaRPr lang="bg-BG"/>
           </a:p>
@@ -832,7 +816,7 @@
           <a:p>
             <a:fld id="{3EA744D9-3FBE-48D8-BF2A-85DF203E4D20}" type="datetimeFigureOut">
               <a:rPr lang="bg-BG" smtClean="0"/>
-              <a:t>27.4.2015 г.</a:t>
+              <a:t>26.4.2015 г.</a:t>
             </a:fld>
             <a:endParaRPr lang="bg-BG"/>
           </a:p>
@@ -1078,7 +1062,7 @@
           <a:p>
             <a:fld id="{3EA744D9-3FBE-48D8-BF2A-85DF203E4D20}" type="datetimeFigureOut">
               <a:rPr lang="bg-BG" smtClean="0"/>
-              <a:t>27.4.2015 г.</a:t>
+              <a:t>26.4.2015 г.</a:t>
             </a:fld>
             <a:endParaRPr lang="bg-BG"/>
           </a:p>
@@ -1366,7 +1350,7 @@
           <a:p>
             <a:fld id="{3EA744D9-3FBE-48D8-BF2A-85DF203E4D20}" type="datetimeFigureOut">
               <a:rPr lang="bg-BG" smtClean="0"/>
-              <a:t>27.4.2015 г.</a:t>
+              <a:t>26.4.2015 г.</a:t>
             </a:fld>
             <a:endParaRPr lang="bg-BG"/>
           </a:p>
@@ -1788,7 +1772,7 @@
           <a:p>
             <a:fld id="{3EA744D9-3FBE-48D8-BF2A-85DF203E4D20}" type="datetimeFigureOut">
               <a:rPr lang="bg-BG" smtClean="0"/>
-              <a:t>27.4.2015 г.</a:t>
+              <a:t>26.4.2015 г.</a:t>
             </a:fld>
             <a:endParaRPr lang="bg-BG"/>
           </a:p>
@@ -1906,7 +1890,7 @@
           <a:p>
             <a:fld id="{3EA744D9-3FBE-48D8-BF2A-85DF203E4D20}" type="datetimeFigureOut">
               <a:rPr lang="bg-BG" smtClean="0"/>
-              <a:t>27.4.2015 г.</a:t>
+              <a:t>26.4.2015 г.</a:t>
             </a:fld>
             <a:endParaRPr lang="bg-BG"/>
           </a:p>
@@ -2001,7 +1985,7 @@
           <a:p>
             <a:fld id="{3EA744D9-3FBE-48D8-BF2A-85DF203E4D20}" type="datetimeFigureOut">
               <a:rPr lang="bg-BG" smtClean="0"/>
-              <a:t>27.4.2015 г.</a:t>
+              <a:t>26.4.2015 г.</a:t>
             </a:fld>
             <a:endParaRPr lang="bg-BG"/>
           </a:p>
@@ -2278,7 +2262,7 @@
           <a:p>
             <a:fld id="{3EA744D9-3FBE-48D8-BF2A-85DF203E4D20}" type="datetimeFigureOut">
               <a:rPr lang="bg-BG" smtClean="0"/>
-              <a:t>27.4.2015 г.</a:t>
+              <a:t>26.4.2015 г.</a:t>
             </a:fld>
             <a:endParaRPr lang="bg-BG"/>
           </a:p>
@@ -2531,7 +2515,7 @@
           <a:p>
             <a:fld id="{3EA744D9-3FBE-48D8-BF2A-85DF203E4D20}" type="datetimeFigureOut">
               <a:rPr lang="bg-BG" smtClean="0"/>
-              <a:t>27.4.2015 г.</a:t>
+              <a:t>26.4.2015 г.</a:t>
             </a:fld>
             <a:endParaRPr lang="bg-BG"/>
           </a:p>
@@ -2753,7 +2737,7 @@
           <a:p>
             <a:fld id="{3EA744D9-3FBE-48D8-BF2A-85DF203E4D20}" type="datetimeFigureOut">
               <a:rPr lang="bg-BG" smtClean="0"/>
-              <a:t>27.4.2015 г.</a:t>
+              <a:t>26.4.2015 г.</a:t>
             </a:fld>
             <a:endParaRPr lang="bg-BG"/>
           </a:p>
@@ -4050,22 +4034,40 @@
             <a:r>
               <a:rPr lang="en-US" dirty="0">
                 <a:solidFill>
-                  <a:schemeClr val="bg1"/>
-                </a:solidFill>
+                  <a:schemeClr val="bg1">
+                    <a:lumMod val="95000"/>
+                  </a:schemeClr>
+                </a:solidFill>
+                <a:hlinkClick r:id="rId2"/>
               </a:rPr>
               <a:t>http://sourceforge.net/projects/gitextensions</a:t>
             </a:r>
             <a:r>
               <a:rPr lang="en-US" dirty="0" smtClean="0">
                 <a:solidFill>
-                  <a:schemeClr val="bg1"/>
-                </a:solidFill>
+                  <a:schemeClr val="bg1">
+                    <a:lumMod val="95000"/>
+                  </a:schemeClr>
+                </a:solidFill>
+                <a:hlinkClick r:id="rId2"/>
               </a:rPr>
-              <a:t>/ </a:t>
+              <a:t>/</a:t>
+            </a:r>
+            <a:r>
+              <a:rPr lang="en-US" dirty="0" smtClean="0">
+                <a:solidFill>
+                  <a:schemeClr val="bg1">
+                    <a:lumMod val="95000"/>
+                  </a:schemeClr>
+                </a:solidFill>
+              </a:rPr>
+              <a:t> </a:t>
             </a:r>
             <a:endParaRPr lang="bg-BG" dirty="0">
               <a:solidFill>
-                <a:schemeClr val="bg1"/>
+                <a:schemeClr val="bg1">
+                  <a:lumMod val="95000"/>
+                </a:schemeClr>
               </a:solidFill>
             </a:endParaRPr>
           </a:p>
@@ -4574,14 +4576,12 @@
         </p:nvSpPr>
         <p:spPr>
           <a:xfrm>
-            <a:off x="457200" y="1676400"/>
-            <a:ext cx="8229600" cy="4525963"/>
+            <a:off x="762000" y="1676400"/>
+            <a:ext cx="7620000" cy="4525963"/>
           </a:xfrm>
         </p:spPr>
         <p:txBody>
-          <a:bodyPr>
-            <a:normAutofit/>
-          </a:bodyPr>
+          <a:bodyPr/>
           <a:lstStyle/>
           <a:p>
             <a:pPr>
@@ -4606,27 +4606,27 @@
                   </a:schemeClr>
                 </a:solidFill>
               </a:rPr>
-              <a:t>GIT repository </a:t>
-            </a:r>
-            <a:r>
-              <a:rPr lang="bg-BG" dirty="0" smtClean="0">
+              <a:t>GIT </a:t>
+            </a:r>
+            <a:r>
+              <a:rPr lang="en-US" dirty="0" smtClean="0">
                 <a:solidFill>
                   <a:schemeClr val="bg1">
                     <a:lumMod val="95000"/>
                   </a:schemeClr>
                 </a:solidFill>
               </a:rPr>
-              <a:t>и изпратете е-</a:t>
-            </a:r>
-            <a:r>
-              <a:rPr lang="en-US" dirty="0" smtClean="0">
+              <a:t>REPOSITORY </a:t>
+            </a:r>
+            <a:r>
+              <a:rPr lang="bg-BG" dirty="0" smtClean="0">
                 <a:solidFill>
                   <a:schemeClr val="bg1">
                     <a:lumMod val="95000"/>
                   </a:schemeClr>
                 </a:solidFill>
               </a:rPr>
-              <a:t>mail </a:t>
+              <a:t>и </a:t>
             </a:r>
             <a:r>
               <a:rPr lang="bg-BG" dirty="0" smtClean="0">
@@ -4636,7 +4636,7 @@
                   </a:schemeClr>
                 </a:solidFill>
               </a:rPr>
-              <a:t>до преподавателя с информация за вашето </a:t>
+              <a:t>изпратете е-</a:t>
             </a:r>
             <a:r>
               <a:rPr lang="en-US" dirty="0" smtClean="0">
@@ -4646,33 +4646,27 @@
                   </a:schemeClr>
                 </a:solidFill>
               </a:rPr>
-              <a:t>GIT </a:t>
-            </a:r>
-            <a:r>
-              <a:rPr lang="en-US" dirty="0" smtClean="0">
+              <a:t>mail </a:t>
+            </a:r>
+            <a:r>
+              <a:rPr lang="bg-BG" dirty="0" smtClean="0">
                 <a:solidFill>
                   <a:schemeClr val="bg1">
                     <a:lumMod val="95000"/>
                   </a:schemeClr>
                 </a:solidFill>
               </a:rPr>
-              <a:t>repository</a:t>
-            </a:r>
-          </a:p>
-          <a:p>
-            <a:pPr>
-              <a:buFont typeface="Wingdings" panose="05000000000000000000" pitchFamily="2" charset="2"/>
-              <a:buChar char="§"/>
-            </a:pPr>
-            <a:r>
-              <a:rPr lang="bg-BG" dirty="0" smtClean="0">
+              <a:t>до преподавателя с информация за вашето </a:t>
+            </a:r>
+            <a:r>
+              <a:rPr lang="en-US" dirty="0" smtClean="0">
                 <a:solidFill>
                   <a:schemeClr val="bg1">
                     <a:lumMod val="95000"/>
                   </a:schemeClr>
                 </a:solidFill>
               </a:rPr>
-              <a:t>Инсталирайте </a:t>
+              <a:t>GIT </a:t>
             </a:r>
             <a:r>
               <a:rPr lang="en-US" dirty="0" smtClean="0">
@@ -4682,62 +4676,33 @@
                   </a:schemeClr>
                 </a:solidFill>
               </a:rPr>
-              <a:t>Visual Studio 2013</a:t>
-            </a:r>
-            <a:endParaRPr lang="en-US" dirty="0" smtClean="0">
+              <a:t>REPOSITORY </a:t>
+            </a:r>
+            <a:r>
+              <a:rPr lang="bg-BG" dirty="0" smtClean="0">
+                <a:solidFill>
+                  <a:schemeClr val="bg1">
+                    <a:lumMod val="95000"/>
+                  </a:schemeClr>
+                </a:solidFill>
+              </a:rPr>
+              <a:t>или го поканете през сайта на </a:t>
+            </a:r>
+            <a:r>
+              <a:rPr lang="en-US" dirty="0" smtClean="0">
+                <a:solidFill>
+                  <a:schemeClr val="bg1">
+                    <a:lumMod val="95000"/>
+                  </a:schemeClr>
+                </a:solidFill>
+              </a:rPr>
+              <a:t>GitHub</a:t>
+            </a:r>
+            <a:endParaRPr lang="bg-BG" dirty="0">
               <a:solidFill>
                 <a:schemeClr val="bg1">
                   <a:lumMod val="95000"/>
                 </a:schemeClr>
-              </a:solidFill>
-            </a:endParaRPr>
-          </a:p>
-          <a:p>
-            <a:pPr marL="742950" lvl="2" indent="-342900">
-              <a:buFont typeface="Wingdings" panose="05000000000000000000" pitchFamily="2" charset="2"/>
-              <a:buChar char="§"/>
-            </a:pPr>
-            <a:r>
-              <a:rPr lang="en-US" dirty="0">
-                <a:solidFill>
-                  <a:schemeClr val="bg1"/>
-                </a:solidFill>
-              </a:rPr>
-              <a:t>Optional features to install (choose only this)</a:t>
-            </a:r>
-          </a:p>
-          <a:p>
-            <a:pPr lvl="2"/>
-            <a:r>
-              <a:rPr lang="en-US" sz="3200" dirty="0">
-                <a:solidFill>
-                  <a:schemeClr val="bg1"/>
-                </a:solidFill>
-              </a:rPr>
-              <a:t>Microsoft SQL Server Data tools</a:t>
-            </a:r>
-          </a:p>
-          <a:p>
-            <a:pPr lvl="2"/>
-            <a:r>
-              <a:rPr lang="en-US" sz="3200" dirty="0">
-                <a:solidFill>
-                  <a:schemeClr val="bg1"/>
-                </a:solidFill>
-              </a:rPr>
-              <a:t>Microsoft Web Developer </a:t>
-            </a:r>
-            <a:r>
-              <a:rPr lang="en-US" sz="3200" dirty="0" smtClean="0">
-                <a:solidFill>
-                  <a:schemeClr val="bg1"/>
-                </a:solidFill>
-              </a:rPr>
-              <a:t>tools</a:t>
-            </a:r>
-            <a:endParaRPr lang="en-US" sz="3200" dirty="0">
-              <a:solidFill>
-                <a:schemeClr val="bg1"/>
               </a:solidFill>
             </a:endParaRPr>
           </a:p>
@@ -4766,7 +4731,7 @@
 <file path=ppt/theme/theme1.xml><?xml version="1.0" encoding="utf-8"?>
 <a:theme xmlns:a="http://schemas.openxmlformats.org/drawingml/2006/main" name="Office Theme">
   <a:themeElements>
-    <a:clrScheme name="Office">
+    <a:clrScheme name="Custom 1">
       <a:dk1>
         <a:sysClr val="windowText" lastClr="000000"/>
       </a:dk1>
@@ -4798,10 +4763,10 @@
         <a:srgbClr val="F79646"/>
       </a:accent6>
       <a:hlink>
-        <a:srgbClr val="0000FF"/>
+        <a:srgbClr val="FFFF00"/>
       </a:hlink>
       <a:folHlink>
-        <a:srgbClr val="800080"/>
+        <a:srgbClr val="FF0000"/>
       </a:folHlink>
     </a:clrScheme>
     <a:fontScheme name="Office">
